--- a/Documents/IoT With Satori.pptx
+++ b/Documents/IoT With Satori.pptx
@@ -34,6 +34,7 @@
     <p:sldId id="383" r:id="rId28"/>
     <p:sldId id="384" r:id="rId29"/>
     <p:sldId id="386" r:id="rId30"/>
+    <p:sldId id="387" r:id="rId31"/>
   </p:sldIdLst>
   <p:sldSz cx="12192000" cy="6858000"/>
   <p:notesSz cx="6858000" cy="9144000"/>
@@ -340,7 +341,7 @@
           <a:p>
             <a:fld id="{ECD19FB2-3AAB-4D03-B13A-2960828C78E3}" type="datetimeFigureOut">
               <a:rPr lang="en-US" dirty="0"/>
-              <a:t>11/12/2017</a:t>
+              <a:t>11/13/2017</a:t>
             </a:fld>
             <a:endParaRPr lang="en-US" dirty="0"/>
           </a:p>
@@ -621,7 +622,7 @@
           <a:p>
             <a:fld id="{1B80C674-7DFC-42FE-B9CD-82963CDB1557}" type="datetimeFigureOut">
               <a:rPr lang="en-US" dirty="0"/>
-              <a:t>11/12/2017</a:t>
+              <a:t>11/13/2017</a:t>
             </a:fld>
             <a:endParaRPr lang="en-US" dirty="0"/>
           </a:p>
@@ -812,7 +813,7 @@
           <a:p>
             <a:fld id="{2076456F-F47D-4F25-8053-2A695DA0CA7D}" type="datetimeFigureOut">
               <a:rPr lang="en-US" dirty="0"/>
-              <a:t>11/12/2017</a:t>
+              <a:t>11/13/2017</a:t>
             </a:fld>
             <a:endParaRPr lang="en-US" dirty="0"/>
           </a:p>
@@ -1072,7 +1073,7 @@
           <a:p>
             <a:fld id="{5D6C7379-69CC-4837-9905-BEBA22830C8A}" type="datetimeFigureOut">
               <a:rPr lang="en-US" dirty="0"/>
-              <a:t>11/12/2017</a:t>
+              <a:t>11/13/2017</a:t>
             </a:fld>
             <a:endParaRPr lang="en-US" dirty="0"/>
           </a:p>
@@ -1497,7 +1498,7 @@
           <a:p>
             <a:fld id="{49EB8B7E-8AEE-4F10-BFEE-C999AD004D36}" type="datetimeFigureOut">
               <a:rPr lang="en-US" dirty="0"/>
-              <a:t>11/12/2017</a:t>
+              <a:t>11/13/2017</a:t>
             </a:fld>
             <a:endParaRPr lang="en-US" dirty="0"/>
           </a:p>
@@ -2042,7 +2043,7 @@
           <a:p>
             <a:fld id="{8668F3F9-58BC-440B-B37B-805B9055EF92}" type="datetimeFigureOut">
               <a:rPr lang="en-US" dirty="0"/>
-              <a:t>11/12/2017</a:t>
+              <a:t>11/13/2017</a:t>
             </a:fld>
             <a:endParaRPr lang="en-US" dirty="0"/>
           </a:p>
@@ -2872,7 +2873,7 @@
           <a:p>
             <a:fld id="{0D5A53AF-48EA-489D-8260-9DCAB666386A}" type="datetimeFigureOut">
               <a:rPr lang="en-US" dirty="0"/>
-              <a:t>11/12/2017</a:t>
+              <a:t>11/13/2017</a:t>
             </a:fld>
             <a:endParaRPr lang="en-US" dirty="0"/>
           </a:p>
@@ -3041,7 +3042,7 @@
           <a:p>
             <a:fld id="{0DED02AE-B9A4-47BD-AF8E-97E16144138B}" type="datetimeFigureOut">
               <a:rPr lang="en-US" dirty="0"/>
-              <a:t>11/12/2017</a:t>
+              <a:t>11/13/2017</a:t>
             </a:fld>
             <a:endParaRPr lang="en-US" dirty="0"/>
           </a:p>
@@ -3220,7 +3221,7 @@
           <a:p>
             <a:fld id="{CF0FD78B-DB02-4362-BCDC-98A55456977C}" type="datetimeFigureOut">
               <a:rPr lang="en-US" dirty="0"/>
-              <a:t>11/12/2017</a:t>
+              <a:t>11/13/2017</a:t>
             </a:fld>
             <a:endParaRPr lang="en-US" dirty="0"/>
           </a:p>
@@ -3389,7 +3390,7 @@
           <a:p>
             <a:fld id="{99916976-5D93-46E4-A98A-FAD63E4D0EA8}" type="datetimeFigureOut">
               <a:rPr lang="en-US" dirty="0"/>
-              <a:t>11/12/2017</a:t>
+              <a:t>11/13/2017</a:t>
             </a:fld>
             <a:endParaRPr lang="en-US" dirty="0"/>
           </a:p>
@@ -3645,7 +3646,7 @@
           <a:p>
             <a:fld id="{0F39F4F5-F4D2-4D2A-AB60-88D37ADCB869}" type="datetimeFigureOut">
               <a:rPr lang="en-US" dirty="0"/>
-              <a:t>11/12/2017</a:t>
+              <a:t>11/13/2017</a:t>
             </a:fld>
             <a:endParaRPr lang="en-US" dirty="0"/>
           </a:p>
@@ -3876,7 +3877,7 @@
           <a:p>
             <a:fld id="{D23BC6CE-6D1E-47E5-8859-F31AC5380EB2}" type="datetimeFigureOut">
               <a:rPr lang="en-US" dirty="0"/>
-              <a:t>11/12/2017</a:t>
+              <a:t>11/13/2017</a:t>
             </a:fld>
             <a:endParaRPr lang="en-US" dirty="0"/>
           </a:p>
@@ -4268,7 +4269,7 @@
           <a:p>
             <a:fld id="{B1B4E7C4-4DA4-404D-9965-B13F2DD7D8BF}" type="datetimeFigureOut">
               <a:rPr lang="en-US" dirty="0"/>
-              <a:t>11/12/2017</a:t>
+              <a:t>11/13/2017</a:t>
             </a:fld>
             <a:endParaRPr lang="en-US" dirty="0"/>
           </a:p>
@@ -4385,7 +4386,7 @@
           <a:p>
             <a:fld id="{476FB7AA-4A53-424F-AD41-70827B6504BA}" type="datetimeFigureOut">
               <a:rPr lang="en-US" dirty="0"/>
-              <a:t>11/12/2017</a:t>
+              <a:t>11/13/2017</a:t>
             </a:fld>
             <a:endParaRPr lang="en-US" dirty="0"/>
           </a:p>
@@ -4479,7 +4480,7 @@
           <a:p>
             <a:fld id="{E7884882-FB12-4BC8-9960-9AD8104D7FAE}" type="datetimeFigureOut">
               <a:rPr lang="en-US" dirty="0"/>
-              <a:t>11/12/2017</a:t>
+              <a:t>11/13/2017</a:t>
             </a:fld>
             <a:endParaRPr lang="en-US" dirty="0"/>
           </a:p>
@@ -4751,7 +4752,7 @@
           <a:p>
             <a:fld id="{F7D1BD23-6E54-4D9D-AD88-A2813C73CC25}" type="datetimeFigureOut">
               <a:rPr lang="en-US" dirty="0"/>
-              <a:t>11/12/2017</a:t>
+              <a:t>11/13/2017</a:t>
             </a:fld>
             <a:endParaRPr lang="en-US" dirty="0"/>
           </a:p>
@@ -5031,7 +5032,7 @@
           <a:p>
             <a:fld id="{1471A834-4F3C-4AF9-9C74-05EC35A0F292}" type="datetimeFigureOut">
               <a:rPr lang="en-US" dirty="0"/>
-              <a:t>11/12/2017</a:t>
+              <a:t>11/13/2017</a:t>
             </a:fld>
             <a:endParaRPr lang="en-US" dirty="0"/>
           </a:p>
@@ -5270,7 +5271,7 @@
           <a:p>
             <a:fld id="{51CF1133-3259-4C45-BABA-5B62D9C6F78D}" type="datetimeFigureOut">
               <a:rPr lang="en-US" dirty="0"/>
-              <a:t>11/12/2017</a:t>
+              <a:t>11/13/2017</a:t>
             </a:fld>
             <a:endParaRPr lang="en-US" dirty="0"/>
           </a:p>
@@ -9908,6 +9909,152 @@
 </p:sld>
 </file>
 
+<file path=ppt/slides/slide30.xml><?xml version="1.0" encoding="utf-8"?>
+<p:sld xmlns:a="http://schemas.openxmlformats.org/drawingml/2006/main" xmlns:r="http://schemas.openxmlformats.org/officeDocument/2006/relationships" xmlns:p="http://schemas.openxmlformats.org/presentationml/2006/main">
+  <p:cSld>
+    <p:spTree>
+      <p:nvGrpSpPr>
+        <p:cNvPr id="1" name=""/>
+        <p:cNvGrpSpPr/>
+        <p:nvPr/>
+      </p:nvGrpSpPr>
+      <p:grpSpPr>
+        <a:xfrm>
+          <a:off x="0" y="0"/>
+          <a:ext cx="0" cy="0"/>
+          <a:chOff x="0" y="0"/>
+          <a:chExt cx="0" cy="0"/>
+        </a:xfrm>
+      </p:grpSpPr>
+      <p:sp>
+        <p:nvSpPr>
+          <p:cNvPr id="2" name="Title 1"/>
+          <p:cNvSpPr>
+            <a:spLocks noGrp="1"/>
+          </p:cNvSpPr>
+          <p:nvPr>
+            <p:ph type="title"/>
+          </p:nvPr>
+        </p:nvSpPr>
+        <p:spPr>
+          <a:xfrm>
+            <a:off x="838200" y="356658"/>
+            <a:ext cx="10515600" cy="1325563"/>
+          </a:xfrm>
+        </p:spPr>
+        <p:txBody>
+          <a:bodyPr>
+            <a:normAutofit/>
+          </a:bodyPr>
+          <a:lstStyle/>
+          <a:p>
+            <a:pPr algn="ctr"/>
+            <a:r>
+              <a:rPr lang="en-US" sz="4000" dirty="0">
+                <a:solidFill>
+                  <a:schemeClr val="tx1"/>
+                </a:solidFill>
+                <a:latin typeface="Adobe Caslon Pro" panose="0205050205050A020403" pitchFamily="18" charset="0"/>
+              </a:rPr>
+              <a:t>Code Challenge</a:t>
+            </a:r>
+          </a:p>
+        </p:txBody>
+      </p:sp>
+      <p:sp>
+        <p:nvSpPr>
+          <p:cNvPr id="3" name="Content Placeholder 2"/>
+          <p:cNvSpPr>
+            <a:spLocks noGrp="1"/>
+          </p:cNvSpPr>
+          <p:nvPr>
+            <p:ph idx="1"/>
+          </p:nvPr>
+        </p:nvSpPr>
+        <p:spPr>
+          <a:xfrm>
+            <a:off x="838200" y="1825625"/>
+            <a:ext cx="10233800" cy="4351338"/>
+          </a:xfrm>
+        </p:spPr>
+        <p:txBody>
+          <a:bodyPr>
+            <a:normAutofit/>
+          </a:bodyPr>
+          <a:lstStyle/>
+          <a:p>
+            <a:r>
+              <a:rPr lang="en-US" sz="4400" dirty="0">
+                <a:solidFill>
+                  <a:schemeClr val="tx1"/>
+                </a:solidFill>
+                <a:latin typeface="Adobe Caslon Pro" panose="0205050205050A020403"/>
+              </a:rPr>
+              <a:t>Convert the socket server into a Kafka Producer</a:t>
+            </a:r>
+          </a:p>
+          <a:p>
+            <a:r>
+              <a:rPr lang="en-US" sz="4400" dirty="0">
+                <a:solidFill>
+                  <a:schemeClr val="tx1"/>
+                </a:solidFill>
+                <a:latin typeface="Adobe Caslon Pro" panose="0205050205050A020403"/>
+              </a:rPr>
+              <a:t>Find a streaming source that’s simpler in structure than the weather data and use it</a:t>
+            </a:r>
+          </a:p>
+          <a:p>
+            <a:r>
+              <a:rPr lang="en-US" sz="4400" dirty="0">
+                <a:solidFill>
+                  <a:schemeClr val="tx1"/>
+                </a:solidFill>
+                <a:latin typeface="Adobe Caslon Pro" panose="0205050205050A020403"/>
+              </a:rPr>
+              <a:t>Attempt to parse the weather data and load it into a case class.</a:t>
+            </a:r>
+          </a:p>
+          <a:p>
+            <a:pPr lvl="2"/>
+            <a:endParaRPr lang="en-US" sz="4400" dirty="0">
+              <a:solidFill>
+                <a:schemeClr val="tx1"/>
+              </a:solidFill>
+              <a:latin typeface="Adobe Caslon Pro" panose="0205050205050A020403"/>
+            </a:endParaRPr>
+          </a:p>
+          <a:p>
+            <a:endParaRPr lang="en-US" sz="4400" dirty="0">
+              <a:solidFill>
+                <a:schemeClr val="tx1"/>
+              </a:solidFill>
+              <a:latin typeface="Adobe Caslon Pro" panose="0205050205050A020403"/>
+            </a:endParaRPr>
+          </a:p>
+          <a:p>
+            <a:endParaRPr lang="en-US" sz="4400" dirty="0">
+              <a:solidFill>
+                <a:schemeClr val="tx1"/>
+              </a:solidFill>
+              <a:latin typeface="Adobe Caslon Pro" panose="0205050205050A020403"/>
+            </a:endParaRPr>
+          </a:p>
+        </p:txBody>
+      </p:sp>
+    </p:spTree>
+    <p:extLst>
+      <p:ext uri="{BB962C8B-B14F-4D97-AF65-F5344CB8AC3E}">
+        <p14:creationId xmlns:p14="http://schemas.microsoft.com/office/powerpoint/2010/main" val="1978404423"/>
+      </p:ext>
+    </p:extLst>
+  </p:cSld>
+  <p:clrMapOvr>
+    <a:masterClrMapping/>
+  </p:clrMapOvr>
+</p:sld>
+</file>
+
 <file path=ppt/slides/slide4.xml><?xml version="1.0" encoding="utf-8"?>
 <p:sld xmlns:a="http://schemas.openxmlformats.org/drawingml/2006/main" xmlns:r="http://schemas.openxmlformats.org/officeDocument/2006/relationships" xmlns:p="http://schemas.openxmlformats.org/presentationml/2006/main">
   <p:cSld>

--- a/Documents/IoT With Satori.pptx
+++ b/Documents/IoT With Satori.pptx
@@ -28,13 +28,14 @@
     <p:sldId id="376" r:id="rId22"/>
     <p:sldId id="380" r:id="rId23"/>
     <p:sldId id="357" r:id="rId24"/>
-    <p:sldId id="358" r:id="rId25"/>
-    <p:sldId id="385" r:id="rId26"/>
-    <p:sldId id="382" r:id="rId27"/>
-    <p:sldId id="383" r:id="rId28"/>
-    <p:sldId id="384" r:id="rId29"/>
-    <p:sldId id="386" r:id="rId30"/>
-    <p:sldId id="387" r:id="rId31"/>
+    <p:sldId id="388" r:id="rId25"/>
+    <p:sldId id="358" r:id="rId26"/>
+    <p:sldId id="385" r:id="rId27"/>
+    <p:sldId id="382" r:id="rId28"/>
+    <p:sldId id="383" r:id="rId29"/>
+    <p:sldId id="384" r:id="rId30"/>
+    <p:sldId id="386" r:id="rId31"/>
+    <p:sldId id="387" r:id="rId32"/>
   </p:sldIdLst>
   <p:sldSz cx="12192000" cy="6858000"/>
   <p:notesSz cx="6858000" cy="9144000"/>
@@ -8595,6 +8596,610 @@
       </p:grpSpPr>
       <p:sp>
         <p:nvSpPr>
+          <p:cNvPr id="3" name="Content Placeholder 2"/>
+          <p:cNvSpPr>
+            <a:spLocks noGrp="1"/>
+          </p:cNvSpPr>
+          <p:nvPr>
+            <p:ph idx="1"/>
+          </p:nvPr>
+        </p:nvSpPr>
+        <p:spPr>
+          <a:xfrm>
+            <a:off x="863600" y="233892"/>
+            <a:ext cx="10233800" cy="4351338"/>
+          </a:xfrm>
+        </p:spPr>
+        <p:txBody>
+          <a:bodyPr>
+            <a:noAutofit/>
+          </a:bodyPr>
+          <a:lstStyle/>
+          <a:p>
+            <a:pPr marL="0" indent="0">
+              <a:buNone/>
+            </a:pPr>
+            <a:r>
+              <a:rPr lang="en-US" sz="1400" dirty="0">
+                <a:solidFill>
+                  <a:schemeClr val="tx1"/>
+                </a:solidFill>
+                <a:latin typeface="Adobe Caslon Pro" panose="0205050205050A020403"/>
+              </a:rPr>
+              <a:t>import </a:t>
+            </a:r>
+            <a:r>
+              <a:rPr lang="en-US" sz="1400" dirty="0" err="1">
+                <a:solidFill>
+                  <a:schemeClr val="tx1"/>
+                </a:solidFill>
+                <a:latin typeface="Adobe Caslon Pro" panose="0205050205050A020403"/>
+              </a:rPr>
+              <a:t>org.apache.spark.sql.functions</a:t>
+            </a:r>
+            <a:r>
+              <a:rPr lang="en-US" sz="1400" dirty="0">
+                <a:solidFill>
+                  <a:schemeClr val="tx1"/>
+                </a:solidFill>
+                <a:latin typeface="Adobe Caslon Pro" panose="0205050205050A020403"/>
+              </a:rPr>
+              <a:t>._</a:t>
+            </a:r>
+          </a:p>
+          <a:p>
+            <a:pPr marL="0" indent="0">
+              <a:buNone/>
+            </a:pPr>
+            <a:r>
+              <a:rPr lang="en-US" sz="1400" dirty="0">
+                <a:solidFill>
+                  <a:schemeClr val="tx1"/>
+                </a:solidFill>
+                <a:latin typeface="Adobe Caslon Pro" panose="0205050205050A020403"/>
+              </a:rPr>
+              <a:t>import </a:t>
+            </a:r>
+            <a:r>
+              <a:rPr lang="en-US" sz="1400" dirty="0" err="1">
+                <a:solidFill>
+                  <a:schemeClr val="tx1"/>
+                </a:solidFill>
+                <a:latin typeface="Adobe Caslon Pro" panose="0205050205050A020403"/>
+              </a:rPr>
+              <a:t>org.apache.spark.sql.SparkSession</a:t>
+            </a:r>
+            <a:endParaRPr lang="en-US" sz="1400" dirty="0">
+              <a:solidFill>
+                <a:schemeClr val="tx1"/>
+              </a:solidFill>
+              <a:latin typeface="Adobe Caslon Pro" panose="0205050205050A020403"/>
+            </a:endParaRPr>
+          </a:p>
+          <a:p>
+            <a:pPr marL="0" indent="0">
+              <a:buNone/>
+            </a:pPr>
+            <a:endParaRPr lang="en-US" sz="1400" dirty="0">
+              <a:solidFill>
+                <a:schemeClr val="tx1"/>
+              </a:solidFill>
+              <a:latin typeface="Adobe Caslon Pro" panose="0205050205050A020403"/>
+            </a:endParaRPr>
+          </a:p>
+          <a:p>
+            <a:pPr marL="0" indent="0">
+              <a:buNone/>
+            </a:pPr>
+            <a:r>
+              <a:rPr lang="en-US" sz="1400" dirty="0" err="1">
+                <a:solidFill>
+                  <a:schemeClr val="tx1"/>
+                </a:solidFill>
+                <a:latin typeface="Adobe Caslon Pro" panose="0205050205050A020403"/>
+              </a:rPr>
+              <a:t>val</a:t>
+            </a:r>
+            <a:r>
+              <a:rPr lang="en-US" sz="1400" dirty="0">
+                <a:solidFill>
+                  <a:schemeClr val="tx1"/>
+                </a:solidFill>
+                <a:latin typeface="Adobe Caslon Pro" panose="0205050205050A020403"/>
+              </a:rPr>
+              <a:t> spark = </a:t>
+            </a:r>
+            <a:r>
+              <a:rPr lang="en-US" sz="1400" dirty="0" err="1">
+                <a:solidFill>
+                  <a:schemeClr val="tx1"/>
+                </a:solidFill>
+                <a:latin typeface="Adobe Caslon Pro" panose="0205050205050A020403"/>
+              </a:rPr>
+              <a:t>SparkSession.builder.appName</a:t>
+            </a:r>
+            <a:r>
+              <a:rPr lang="en-US" sz="1400" dirty="0">
+                <a:solidFill>
+                  <a:schemeClr val="tx1"/>
+                </a:solidFill>
+                <a:latin typeface="Adobe Caslon Pro" panose="0205050205050A020403"/>
+              </a:rPr>
+              <a:t>("</a:t>
+            </a:r>
+            <a:r>
+              <a:rPr lang="en-US" sz="1400" dirty="0" err="1">
+                <a:solidFill>
+                  <a:schemeClr val="tx1"/>
+                </a:solidFill>
+                <a:latin typeface="Adobe Caslon Pro" panose="0205050205050A020403"/>
+              </a:rPr>
+              <a:t>StructuredNetworkWordCount</a:t>
+            </a:r>
+            <a:r>
+              <a:rPr lang="en-US" sz="1400" dirty="0">
+                <a:solidFill>
+                  <a:schemeClr val="tx1"/>
+                </a:solidFill>
+                <a:latin typeface="Adobe Caslon Pro" panose="0205050205050A020403"/>
+              </a:rPr>
+              <a:t>").</a:t>
+            </a:r>
+            <a:r>
+              <a:rPr lang="en-US" sz="1400" dirty="0" err="1">
+                <a:solidFill>
+                  <a:schemeClr val="tx1"/>
+                </a:solidFill>
+                <a:latin typeface="Adobe Caslon Pro" panose="0205050205050A020403"/>
+              </a:rPr>
+              <a:t>getOrCreate</a:t>
+            </a:r>
+            <a:r>
+              <a:rPr lang="en-US" sz="1400" dirty="0">
+                <a:solidFill>
+                  <a:schemeClr val="tx1"/>
+                </a:solidFill>
+                <a:latin typeface="Adobe Caslon Pro" panose="0205050205050A020403"/>
+              </a:rPr>
+              <a:t>()</a:t>
+            </a:r>
+          </a:p>
+          <a:p>
+            <a:pPr marL="0" indent="0">
+              <a:buNone/>
+            </a:pPr>
+            <a:r>
+              <a:rPr lang="en-US" sz="1400" dirty="0">
+                <a:solidFill>
+                  <a:schemeClr val="tx1"/>
+                </a:solidFill>
+                <a:latin typeface="Adobe Caslon Pro" panose="0205050205050A020403"/>
+              </a:rPr>
+              <a:t>  </a:t>
+            </a:r>
+          </a:p>
+          <a:p>
+            <a:pPr marL="0" indent="0">
+              <a:buNone/>
+            </a:pPr>
+            <a:r>
+              <a:rPr lang="en-US" sz="1400" dirty="0">
+                <a:solidFill>
+                  <a:schemeClr val="tx1"/>
+                </a:solidFill>
+                <a:latin typeface="Adobe Caslon Pro" panose="0205050205050A020403"/>
+              </a:rPr>
+              <a:t>import </a:t>
+            </a:r>
+            <a:r>
+              <a:rPr lang="en-US" sz="1400" dirty="0" err="1">
+                <a:solidFill>
+                  <a:schemeClr val="tx1"/>
+                </a:solidFill>
+                <a:latin typeface="Adobe Caslon Pro" panose="0205050205050A020403"/>
+              </a:rPr>
+              <a:t>spark.implicits</a:t>
+            </a:r>
+            <a:r>
+              <a:rPr lang="en-US" sz="1400" dirty="0">
+                <a:solidFill>
+                  <a:schemeClr val="tx1"/>
+                </a:solidFill>
+                <a:latin typeface="Adobe Caslon Pro" panose="0205050205050A020403"/>
+              </a:rPr>
+              <a:t>._</a:t>
+            </a:r>
+          </a:p>
+          <a:p>
+            <a:pPr marL="0" indent="0">
+              <a:buNone/>
+            </a:pPr>
+            <a:endParaRPr lang="en-US" sz="1400" dirty="0">
+              <a:solidFill>
+                <a:schemeClr val="tx1"/>
+              </a:solidFill>
+              <a:latin typeface="Adobe Caslon Pro" panose="0205050205050A020403"/>
+            </a:endParaRPr>
+          </a:p>
+          <a:p>
+            <a:pPr marL="0" indent="0">
+              <a:buNone/>
+            </a:pPr>
+            <a:r>
+              <a:rPr lang="en-US" sz="1400" dirty="0">
+                <a:solidFill>
+                  <a:schemeClr val="tx1"/>
+                </a:solidFill>
+                <a:latin typeface="Adobe Caslon Pro" panose="0205050205050A020403"/>
+              </a:rPr>
+              <a:t>// Create </a:t>
+            </a:r>
+            <a:r>
+              <a:rPr lang="en-US" sz="1400" dirty="0" err="1">
+                <a:solidFill>
+                  <a:schemeClr val="tx1"/>
+                </a:solidFill>
+                <a:latin typeface="Adobe Caslon Pro" panose="0205050205050A020403"/>
+              </a:rPr>
+              <a:t>DataFrame</a:t>
+            </a:r>
+            <a:r>
+              <a:rPr lang="en-US" sz="1400" dirty="0">
+                <a:solidFill>
+                  <a:schemeClr val="tx1"/>
+                </a:solidFill>
+                <a:latin typeface="Adobe Caslon Pro" panose="0205050205050A020403"/>
+              </a:rPr>
+              <a:t> representing the stream of input lines from connection to localhost:9999</a:t>
+            </a:r>
+          </a:p>
+          <a:p>
+            <a:pPr marL="0" indent="0">
+              <a:buNone/>
+            </a:pPr>
+            <a:r>
+              <a:rPr lang="en-US" sz="1400" dirty="0" err="1">
+                <a:solidFill>
+                  <a:schemeClr val="tx1"/>
+                </a:solidFill>
+                <a:latin typeface="Adobe Caslon Pro" panose="0205050205050A020403"/>
+              </a:rPr>
+              <a:t>val</a:t>
+            </a:r>
+            <a:r>
+              <a:rPr lang="en-US" sz="1400" dirty="0">
+                <a:solidFill>
+                  <a:schemeClr val="tx1"/>
+                </a:solidFill>
+                <a:latin typeface="Adobe Caslon Pro" panose="0205050205050A020403"/>
+              </a:rPr>
+              <a:t> lines = </a:t>
+            </a:r>
+            <a:r>
+              <a:rPr lang="en-US" sz="1400" dirty="0" err="1">
+                <a:solidFill>
+                  <a:schemeClr val="tx1"/>
+                </a:solidFill>
+                <a:latin typeface="Adobe Caslon Pro" panose="0205050205050A020403"/>
+              </a:rPr>
+              <a:t>spark.readStream.format</a:t>
+            </a:r>
+            <a:r>
+              <a:rPr lang="en-US" sz="1400" dirty="0">
+                <a:solidFill>
+                  <a:schemeClr val="tx1"/>
+                </a:solidFill>
+                <a:latin typeface="Adobe Caslon Pro" panose="0205050205050A020403"/>
+              </a:rPr>
+              <a:t>("socket").option("host", "localhost").option("port", 9999).load()</a:t>
+            </a:r>
+          </a:p>
+          <a:p>
+            <a:pPr marL="0" indent="0">
+              <a:buNone/>
+            </a:pPr>
+            <a:endParaRPr lang="en-US" sz="1400" dirty="0">
+              <a:solidFill>
+                <a:schemeClr val="tx1"/>
+              </a:solidFill>
+              <a:latin typeface="Adobe Caslon Pro" panose="0205050205050A020403"/>
+            </a:endParaRPr>
+          </a:p>
+          <a:p>
+            <a:pPr marL="0" indent="0">
+              <a:buNone/>
+            </a:pPr>
+            <a:r>
+              <a:rPr lang="en-US" sz="1400" dirty="0">
+                <a:solidFill>
+                  <a:schemeClr val="tx1"/>
+                </a:solidFill>
+                <a:latin typeface="Adobe Caslon Pro" panose="0205050205050A020403"/>
+              </a:rPr>
+              <a:t>// Split the lines into words</a:t>
+            </a:r>
+          </a:p>
+          <a:p>
+            <a:pPr marL="0" indent="0">
+              <a:buNone/>
+            </a:pPr>
+            <a:r>
+              <a:rPr lang="en-US" sz="1400" dirty="0" err="1">
+                <a:solidFill>
+                  <a:schemeClr val="tx1"/>
+                </a:solidFill>
+                <a:latin typeface="Adobe Caslon Pro" panose="0205050205050A020403"/>
+              </a:rPr>
+              <a:t>val</a:t>
+            </a:r>
+            <a:r>
+              <a:rPr lang="en-US" sz="1400" dirty="0">
+                <a:solidFill>
+                  <a:schemeClr val="tx1"/>
+                </a:solidFill>
+                <a:latin typeface="Adobe Caslon Pro" panose="0205050205050A020403"/>
+              </a:rPr>
+              <a:t> words = lines.as[String].</a:t>
+            </a:r>
+            <a:r>
+              <a:rPr lang="en-US" sz="1400" dirty="0" err="1">
+                <a:solidFill>
+                  <a:schemeClr val="tx1"/>
+                </a:solidFill>
+                <a:latin typeface="Adobe Caslon Pro" panose="0205050205050A020403"/>
+              </a:rPr>
+              <a:t>flatMap</a:t>
+            </a:r>
+            <a:r>
+              <a:rPr lang="en-US" sz="1400" dirty="0">
+                <a:solidFill>
+                  <a:schemeClr val="tx1"/>
+                </a:solidFill>
+                <a:latin typeface="Adobe Caslon Pro" panose="0205050205050A020403"/>
+              </a:rPr>
+              <a:t>(_.split(" "))</a:t>
+            </a:r>
+          </a:p>
+          <a:p>
+            <a:pPr marL="0" indent="0">
+              <a:buNone/>
+            </a:pPr>
+            <a:endParaRPr lang="en-US" sz="1400" dirty="0">
+              <a:solidFill>
+                <a:schemeClr val="tx1"/>
+              </a:solidFill>
+              <a:latin typeface="Adobe Caslon Pro" panose="0205050205050A020403"/>
+            </a:endParaRPr>
+          </a:p>
+          <a:p>
+            <a:pPr marL="0" indent="0">
+              <a:buNone/>
+            </a:pPr>
+            <a:r>
+              <a:rPr lang="en-US" sz="1400" dirty="0">
+                <a:solidFill>
+                  <a:schemeClr val="tx1"/>
+                </a:solidFill>
+                <a:latin typeface="Adobe Caslon Pro" panose="0205050205050A020403"/>
+              </a:rPr>
+              <a:t>// Generate running word count</a:t>
+            </a:r>
+          </a:p>
+          <a:p>
+            <a:pPr marL="0" indent="0">
+              <a:buNone/>
+            </a:pPr>
+            <a:r>
+              <a:rPr lang="en-US" sz="1400" dirty="0" err="1">
+                <a:solidFill>
+                  <a:schemeClr val="tx1"/>
+                </a:solidFill>
+                <a:latin typeface="Adobe Caslon Pro" panose="0205050205050A020403"/>
+              </a:rPr>
+              <a:t>val</a:t>
+            </a:r>
+            <a:r>
+              <a:rPr lang="en-US" sz="1400" dirty="0">
+                <a:solidFill>
+                  <a:schemeClr val="tx1"/>
+                </a:solidFill>
+                <a:latin typeface="Adobe Caslon Pro" panose="0205050205050A020403"/>
+              </a:rPr>
+              <a:t> </a:t>
+            </a:r>
+            <a:r>
+              <a:rPr lang="en-US" sz="1400" dirty="0" err="1">
+                <a:solidFill>
+                  <a:schemeClr val="tx1"/>
+                </a:solidFill>
+                <a:latin typeface="Adobe Caslon Pro" panose="0205050205050A020403"/>
+              </a:rPr>
+              <a:t>wordCounts</a:t>
+            </a:r>
+            <a:r>
+              <a:rPr lang="en-US" sz="1400" dirty="0">
+                <a:solidFill>
+                  <a:schemeClr val="tx1"/>
+                </a:solidFill>
+                <a:latin typeface="Adobe Caslon Pro" panose="0205050205050A020403"/>
+              </a:rPr>
+              <a:t> = </a:t>
+            </a:r>
+            <a:r>
+              <a:rPr lang="en-US" sz="1400" dirty="0" err="1">
+                <a:solidFill>
+                  <a:schemeClr val="tx1"/>
+                </a:solidFill>
+                <a:latin typeface="Adobe Caslon Pro" panose="0205050205050A020403"/>
+              </a:rPr>
+              <a:t>words.groupBy</a:t>
+            </a:r>
+            <a:r>
+              <a:rPr lang="en-US" sz="1400" dirty="0">
+                <a:solidFill>
+                  <a:schemeClr val="tx1"/>
+                </a:solidFill>
+                <a:latin typeface="Adobe Caslon Pro" panose="0205050205050A020403"/>
+              </a:rPr>
+              <a:t>("value").count()</a:t>
+            </a:r>
+          </a:p>
+          <a:p>
+            <a:pPr marL="0" indent="0">
+              <a:buNone/>
+            </a:pPr>
+            <a:endParaRPr lang="en-US" sz="1400" dirty="0">
+              <a:solidFill>
+                <a:schemeClr val="tx1"/>
+              </a:solidFill>
+              <a:latin typeface="Adobe Caslon Pro" panose="0205050205050A020403"/>
+            </a:endParaRPr>
+          </a:p>
+          <a:p>
+            <a:pPr marL="0" indent="0">
+              <a:buNone/>
+            </a:pPr>
+            <a:r>
+              <a:rPr lang="en-US" sz="1400" dirty="0">
+                <a:solidFill>
+                  <a:schemeClr val="tx1"/>
+                </a:solidFill>
+                <a:latin typeface="Adobe Caslon Pro" panose="0205050205050A020403"/>
+              </a:rPr>
+              <a:t>// Start running the query that prints the running counts to the console</a:t>
+            </a:r>
+          </a:p>
+          <a:p>
+            <a:pPr marL="0" indent="0">
+              <a:buNone/>
+            </a:pPr>
+            <a:r>
+              <a:rPr lang="en-US" sz="1400" dirty="0" err="1">
+                <a:solidFill>
+                  <a:schemeClr val="tx1"/>
+                </a:solidFill>
+                <a:latin typeface="Adobe Caslon Pro" panose="0205050205050A020403"/>
+              </a:rPr>
+              <a:t>val</a:t>
+            </a:r>
+            <a:r>
+              <a:rPr lang="en-US" sz="1400" dirty="0">
+                <a:solidFill>
+                  <a:schemeClr val="tx1"/>
+                </a:solidFill>
+                <a:latin typeface="Adobe Caslon Pro" panose="0205050205050A020403"/>
+              </a:rPr>
+              <a:t> query = </a:t>
+            </a:r>
+            <a:r>
+              <a:rPr lang="en-US" sz="1400" dirty="0" err="1">
+                <a:solidFill>
+                  <a:schemeClr val="tx1"/>
+                </a:solidFill>
+                <a:latin typeface="Adobe Caslon Pro" panose="0205050205050A020403"/>
+              </a:rPr>
+              <a:t>wordCounts.writeStream.outputMode</a:t>
+            </a:r>
+            <a:r>
+              <a:rPr lang="en-US" sz="1400" dirty="0">
+                <a:solidFill>
+                  <a:schemeClr val="tx1"/>
+                </a:solidFill>
+                <a:latin typeface="Adobe Caslon Pro" panose="0205050205050A020403"/>
+              </a:rPr>
+              <a:t>("complete").format("console").start()</a:t>
+            </a:r>
+          </a:p>
+          <a:p>
+            <a:pPr marL="0" indent="0">
+              <a:buNone/>
+            </a:pPr>
+            <a:endParaRPr lang="en-US" sz="1400" dirty="0">
+              <a:solidFill>
+                <a:schemeClr val="tx1"/>
+              </a:solidFill>
+              <a:latin typeface="Adobe Caslon Pro" panose="0205050205050A020403"/>
+            </a:endParaRPr>
+          </a:p>
+          <a:p>
+            <a:pPr marL="0" indent="0">
+              <a:buNone/>
+            </a:pPr>
+            <a:r>
+              <a:rPr lang="en-US" sz="1400" dirty="0" err="1">
+                <a:solidFill>
+                  <a:schemeClr val="tx1"/>
+                </a:solidFill>
+                <a:latin typeface="Adobe Caslon Pro" panose="0205050205050A020403"/>
+              </a:rPr>
+              <a:t>query.awaitTermination</a:t>
+            </a:r>
+            <a:r>
+              <a:rPr lang="en-US" sz="1400" dirty="0">
+                <a:solidFill>
+                  <a:schemeClr val="tx1"/>
+                </a:solidFill>
+                <a:latin typeface="Adobe Caslon Pro" panose="0205050205050A020403"/>
+              </a:rPr>
+              <a:t>()</a:t>
+            </a:r>
+          </a:p>
+          <a:p>
+            <a:pPr marL="0" indent="0">
+              <a:buNone/>
+            </a:pPr>
+            <a:endParaRPr lang="en-US" sz="1400" dirty="0">
+              <a:solidFill>
+                <a:schemeClr val="tx1"/>
+              </a:solidFill>
+              <a:latin typeface="Adobe Caslon Pro" panose="0205050205050A020403"/>
+            </a:endParaRPr>
+          </a:p>
+          <a:p>
+            <a:pPr marL="0" indent="0">
+              <a:buNone/>
+            </a:pPr>
+            <a:endParaRPr lang="en-US" sz="1400" dirty="0">
+              <a:solidFill>
+                <a:schemeClr val="tx1"/>
+              </a:solidFill>
+              <a:latin typeface="Adobe Caslon Pro" panose="0205050205050A020403"/>
+            </a:endParaRPr>
+          </a:p>
+        </p:txBody>
+      </p:sp>
+    </p:spTree>
+    <p:extLst>
+      <p:ext uri="{BB962C8B-B14F-4D97-AF65-F5344CB8AC3E}">
+        <p14:creationId xmlns:p14="http://schemas.microsoft.com/office/powerpoint/2010/main" val="1080935654"/>
+      </p:ext>
+    </p:extLst>
+  </p:cSld>
+  <p:clrMapOvr>
+    <a:masterClrMapping/>
+  </p:clrMapOvr>
+</p:sld>
+</file>
+
+<file path=ppt/slides/slide25.xml><?xml version="1.0" encoding="utf-8"?>
+<p:sld xmlns:a="http://schemas.openxmlformats.org/drawingml/2006/main" xmlns:r="http://schemas.openxmlformats.org/officeDocument/2006/relationships" xmlns:p="http://schemas.openxmlformats.org/presentationml/2006/main">
+  <p:cSld>
+    <p:spTree>
+      <p:nvGrpSpPr>
+        <p:cNvPr id="1" name=""/>
+        <p:cNvGrpSpPr/>
+        <p:nvPr/>
+      </p:nvGrpSpPr>
+      <p:grpSpPr>
+        <a:xfrm>
+          <a:off x="0" y="0"/>
+          <a:ext cx="0" cy="0"/>
+          <a:chOff x="0" y="0"/>
+          <a:chExt cx="0" cy="0"/>
+        </a:xfrm>
+      </p:grpSpPr>
+      <p:sp>
+        <p:nvSpPr>
           <p:cNvPr id="2" name="Title 1"/>
           <p:cNvSpPr>
             <a:spLocks noGrp="1"/>
@@ -8782,7 +9387,7 @@
 </p:sld>
 </file>
 
-<file path=ppt/slides/slide25.xml><?xml version="1.0" encoding="utf-8"?>
+<file path=ppt/slides/slide26.xml><?xml version="1.0" encoding="utf-8"?>
 <p:sld xmlns:a="http://schemas.openxmlformats.org/drawingml/2006/main" xmlns:r="http://schemas.openxmlformats.org/officeDocument/2006/relationships" xmlns:p="http://schemas.openxmlformats.org/presentationml/2006/main">
   <p:cSld>
     <p:spTree>
@@ -9016,210 +9621,6 @@
 </p:sld>
 </file>
 
-<file path=ppt/slides/slide26.xml><?xml version="1.0" encoding="utf-8"?>
-<p:sld xmlns:a="http://schemas.openxmlformats.org/drawingml/2006/main" xmlns:r="http://schemas.openxmlformats.org/officeDocument/2006/relationships" xmlns:p="http://schemas.openxmlformats.org/presentationml/2006/main">
-  <p:cSld>
-    <p:spTree>
-      <p:nvGrpSpPr>
-        <p:cNvPr id="1" name=""/>
-        <p:cNvGrpSpPr/>
-        <p:nvPr/>
-      </p:nvGrpSpPr>
-      <p:grpSpPr>
-        <a:xfrm>
-          <a:off x="0" y="0"/>
-          <a:ext cx="0" cy="0"/>
-          <a:chOff x="0" y="0"/>
-          <a:chExt cx="0" cy="0"/>
-        </a:xfrm>
-      </p:grpSpPr>
-      <p:sp>
-        <p:nvSpPr>
-          <p:cNvPr id="2" name="Title 1"/>
-          <p:cNvSpPr>
-            <a:spLocks noGrp="1"/>
-          </p:cNvSpPr>
-          <p:nvPr>
-            <p:ph type="title"/>
-          </p:nvPr>
-        </p:nvSpPr>
-        <p:spPr>
-          <a:xfrm>
-            <a:off x="838200" y="356658"/>
-            <a:ext cx="10515600" cy="1325563"/>
-          </a:xfrm>
-        </p:spPr>
-        <p:txBody>
-          <a:bodyPr>
-            <a:normAutofit/>
-          </a:bodyPr>
-          <a:lstStyle/>
-          <a:p>
-            <a:pPr algn="ctr"/>
-            <a:r>
-              <a:rPr lang="en-US" sz="4000" dirty="0">
-                <a:solidFill>
-                  <a:schemeClr val="tx1"/>
-                </a:solidFill>
-                <a:latin typeface="Adobe Caslon Pro" panose="0205050205050A020403" pitchFamily="18" charset="0"/>
-              </a:rPr>
-              <a:t>Spark Structured Streaming</a:t>
-            </a:r>
-          </a:p>
-        </p:txBody>
-      </p:sp>
-      <p:sp>
-        <p:nvSpPr>
-          <p:cNvPr id="3" name="Content Placeholder 2"/>
-          <p:cNvSpPr>
-            <a:spLocks noGrp="1"/>
-          </p:cNvSpPr>
-          <p:nvPr>
-            <p:ph idx="1"/>
-          </p:nvPr>
-        </p:nvSpPr>
-        <p:spPr>
-          <a:xfrm>
-            <a:off x="838200" y="1825625"/>
-            <a:ext cx="10233800" cy="4351338"/>
-          </a:xfrm>
-        </p:spPr>
-        <p:txBody>
-          <a:bodyPr>
-            <a:normAutofit lnSpcReduction="10000"/>
-          </a:bodyPr>
-          <a:lstStyle/>
-          <a:p>
-            <a:r>
-              <a:rPr lang="en-US" sz="3200" dirty="0">
-                <a:solidFill>
-                  <a:schemeClr val="tx1"/>
-                </a:solidFill>
-                <a:latin typeface="Adobe Caslon Pro" panose="0205050205050A020403"/>
-              </a:rPr>
-              <a:t>If you can make batch jobs with Spark SQL, you can make Structured Streaming Jobs.</a:t>
-            </a:r>
-          </a:p>
-          <a:p>
-            <a:r>
-              <a:rPr lang="en-US" sz="3200" dirty="0">
-                <a:solidFill>
-                  <a:schemeClr val="tx1"/>
-                </a:solidFill>
-                <a:latin typeface="Adobe Caslon Pro" panose="0205050205050A020403"/>
-              </a:rPr>
-              <a:t>So new there is little to no literature on the topic.</a:t>
-            </a:r>
-          </a:p>
-          <a:p>
-            <a:pPr lvl="1"/>
-            <a:r>
-              <a:rPr lang="en-US" sz="2800" dirty="0">
-                <a:solidFill>
-                  <a:schemeClr val="tx1"/>
-                </a:solidFill>
-                <a:latin typeface="Adobe Caslon Pro" panose="0205050205050A020403"/>
-              </a:rPr>
-              <a:t>Structured Streaming Programming Guide is your best bet.</a:t>
-            </a:r>
-          </a:p>
-          <a:p>
-            <a:r>
-              <a:rPr lang="en-US" sz="3200" dirty="0">
-                <a:solidFill>
-                  <a:schemeClr val="tx1"/>
-                </a:solidFill>
-                <a:latin typeface="Adobe Caslon Pro" panose="0205050205050A020403"/>
-              </a:rPr>
-              <a:t>Exactly once delivery semantics out of the box.</a:t>
-            </a:r>
-          </a:p>
-          <a:p>
-            <a:r>
-              <a:rPr lang="en-US" sz="3200" dirty="0">
-                <a:solidFill>
-                  <a:schemeClr val="tx1"/>
-                </a:solidFill>
-                <a:latin typeface="Adobe Caslon Pro" panose="0205050205050A020403"/>
-              </a:rPr>
-              <a:t>Limited number of built in sources</a:t>
-            </a:r>
-          </a:p>
-          <a:p>
-            <a:pPr lvl="1"/>
-            <a:r>
-              <a:rPr lang="en-US" sz="2800" dirty="0">
-                <a:solidFill>
-                  <a:schemeClr val="tx1"/>
-                </a:solidFill>
-                <a:latin typeface="Adobe Caslon Pro" panose="0205050205050A020403"/>
-              </a:rPr>
-              <a:t>Socket</a:t>
-            </a:r>
-          </a:p>
-          <a:p>
-            <a:pPr lvl="1"/>
-            <a:r>
-              <a:rPr lang="en-US" sz="2800" dirty="0">
-                <a:solidFill>
-                  <a:schemeClr val="tx1"/>
-                </a:solidFill>
-                <a:latin typeface="Adobe Caslon Pro" panose="0205050205050A020403"/>
-              </a:rPr>
-              <a:t>Kafka</a:t>
-            </a:r>
-          </a:p>
-          <a:p>
-            <a:pPr lvl="1"/>
-            <a:r>
-              <a:rPr lang="en-US" sz="2800" dirty="0">
-                <a:solidFill>
-                  <a:schemeClr val="tx1"/>
-                </a:solidFill>
-                <a:latin typeface="Adobe Caslon Pro" panose="0205050205050A020403"/>
-              </a:rPr>
-              <a:t>File</a:t>
-            </a:r>
-          </a:p>
-          <a:p>
-            <a:endParaRPr lang="en-US" sz="3200" dirty="0">
-              <a:solidFill>
-                <a:schemeClr val="tx1"/>
-              </a:solidFill>
-              <a:latin typeface="Adobe Caslon Pro" panose="0205050205050A020403"/>
-            </a:endParaRPr>
-          </a:p>
-          <a:p>
-            <a:endParaRPr lang="en-US" sz="3200" dirty="0">
-              <a:solidFill>
-                <a:schemeClr val="tx1"/>
-              </a:solidFill>
-              <a:latin typeface="Adobe Caslon Pro" panose="0205050205050A020403"/>
-            </a:endParaRPr>
-          </a:p>
-          <a:p>
-            <a:endParaRPr lang="en-US" sz="3200" dirty="0">
-              <a:solidFill>
-                <a:schemeClr val="tx1"/>
-              </a:solidFill>
-              <a:latin typeface="Adobe Caslon Pro" panose="0205050205050A020403"/>
-            </a:endParaRPr>
-          </a:p>
-        </p:txBody>
-      </p:sp>
-    </p:spTree>
-    <p:extLst>
-      <p:ext uri="{BB962C8B-B14F-4D97-AF65-F5344CB8AC3E}">
-        <p14:creationId xmlns:p14="http://schemas.microsoft.com/office/powerpoint/2010/main" val="84317850"/>
-      </p:ext>
-    </p:extLst>
-  </p:cSld>
-  <p:clrMapOvr>
-    <a:masterClrMapping/>
-  </p:clrMapOvr>
-</p:sld>
-</file>
-
 <file path=ppt/slides/slide27.xml><?xml version="1.0" encoding="utf-8"?>
 <p:sld xmlns:a="http://schemas.openxmlformats.org/drawingml/2006/main" xmlns:r="http://schemas.openxmlformats.org/officeDocument/2006/relationships" xmlns:p="http://schemas.openxmlformats.org/presentationml/2006/main">
   <p:cSld>
@@ -9290,7 +9691,7 @@
         </p:spPr>
         <p:txBody>
           <a:bodyPr>
-            <a:normAutofit/>
+            <a:normAutofit lnSpcReduction="10000"/>
           </a:bodyPr>
           <a:lstStyle/>
           <a:p>
@@ -9301,7 +9702,18 @@
                 </a:solidFill>
                 <a:latin typeface="Adobe Caslon Pro" panose="0205050205050A020403"/>
               </a:rPr>
-              <a:t>Fairly unlimited on sinks</a:t>
+              <a:t>If you can make batch jobs with Spark SQL, you can make Structured Streaming Jobs.</a:t>
+            </a:r>
+          </a:p>
+          <a:p>
+            <a:r>
+              <a:rPr lang="en-US" sz="3200" dirty="0">
+                <a:solidFill>
+                  <a:schemeClr val="tx1"/>
+                </a:solidFill>
+                <a:latin typeface="Adobe Caslon Pro" panose="0205050205050A020403"/>
+              </a:rPr>
+              <a:t>So new there is little to no literature on the topic.</a:t>
             </a:r>
           </a:p>
           <a:p>
@@ -9313,7 +9725,29 @@
                 </a:solidFill>
                 <a:latin typeface="Adobe Caslon Pro" panose="0205050205050A020403"/>
               </a:rPr>
-              <a:t>JSON</a:t>
+              <a:t>Structured Streaming Programming Guide is your best bet.</a:t>
+            </a:r>
+          </a:p>
+          <a:p>
+            <a:r>
+              <a:rPr lang="en-US" sz="3200" dirty="0">
+                <a:solidFill>
+                  <a:schemeClr val="tx1"/>
+                </a:solidFill>
+                <a:latin typeface="Adobe Caslon Pro" panose="0205050205050A020403"/>
+              </a:rPr>
+              <a:t>Exactly once delivery semantics out of the box.</a:t>
+            </a:r>
+          </a:p>
+          <a:p>
+            <a:r>
+              <a:rPr lang="en-US" sz="3200" dirty="0">
+                <a:solidFill>
+                  <a:schemeClr val="tx1"/>
+                </a:solidFill>
+                <a:latin typeface="Adobe Caslon Pro" panose="0205050205050A020403"/>
+              </a:rPr>
+              <a:t>Limited number of built in sources</a:t>
             </a:r>
           </a:p>
           <a:p>
@@ -9325,7 +9759,7 @@
                 </a:solidFill>
                 <a:latin typeface="Adobe Caslon Pro" panose="0205050205050A020403"/>
               </a:rPr>
-              <a:t>ORC</a:t>
+              <a:t>Socket</a:t>
             </a:r>
           </a:p>
           <a:p>
@@ -9337,7 +9771,7 @@
                 </a:solidFill>
                 <a:latin typeface="Adobe Caslon Pro" panose="0205050205050A020403"/>
               </a:rPr>
-              <a:t>Parquet</a:t>
+              <a:t>Kafka</a:t>
             </a:r>
           </a:p>
           <a:p>
@@ -9349,19 +9783,7 @@
                 </a:solidFill>
                 <a:latin typeface="Adobe Caslon Pro" panose="0205050205050A020403"/>
               </a:rPr>
-              <a:t>CSV</a:t>
-            </a:r>
-          </a:p>
-          <a:p>
-            <a:pPr lvl="1"/>
-            <a:r>
-              <a:rPr lang="en-US" sz="2800" dirty="0">
-                <a:solidFill>
-                  <a:schemeClr val="tx1"/>
-                </a:solidFill>
-                <a:latin typeface="Adobe Caslon Pro" panose="0205050205050A020403"/>
-              </a:rPr>
-              <a:t>Database table</a:t>
+              <a:t>File</a:t>
             </a:r>
           </a:p>
           <a:p>
@@ -9380,12 +9802,20 @@
               <a:latin typeface="Adobe Caslon Pro" panose="0205050205050A020403"/>
             </a:endParaRPr>
           </a:p>
+          <a:p>
+            <a:endParaRPr lang="en-US" sz="3200" dirty="0">
+              <a:solidFill>
+                <a:schemeClr val="tx1"/>
+              </a:solidFill>
+              <a:latin typeface="Adobe Caslon Pro" panose="0205050205050A020403"/>
+            </a:endParaRPr>
+          </a:p>
         </p:txBody>
       </p:sp>
     </p:spTree>
     <p:extLst>
       <p:ext uri="{BB962C8B-B14F-4D97-AF65-F5344CB8AC3E}">
-        <p14:creationId xmlns:p14="http://schemas.microsoft.com/office/powerpoint/2010/main" val="1875826512"/>
+        <p14:creationId xmlns:p14="http://schemas.microsoft.com/office/powerpoint/2010/main" val="84317850"/>
       </p:ext>
     </p:extLst>
   </p:cSld>
@@ -9476,131 +9906,68 @@
                 </a:solidFill>
                 <a:latin typeface="Adobe Caslon Pro" panose="0205050205050A020403"/>
               </a:rPr>
-              <a:t>Things you can do with Structured Streaming</a:t>
+              <a:t>Fairly unlimited on sinks</a:t>
             </a:r>
           </a:p>
           <a:p>
             <a:pPr lvl="1"/>
             <a:r>
-              <a:rPr lang="en-US" dirty="0">
-                <a:solidFill>
-                  <a:schemeClr val="tx1"/>
-                </a:solidFill>
-                <a:latin typeface="Adobe Caslon Pro" panose="0205050205050A020403"/>
-              </a:rPr>
-              <a:t>SQL Operations</a:t>
-            </a:r>
-          </a:p>
-          <a:p>
-            <a:pPr lvl="2"/>
-            <a:r>
-              <a:rPr lang="en-US" dirty="0">
-                <a:solidFill>
-                  <a:schemeClr val="tx1"/>
-                </a:solidFill>
-                <a:latin typeface="Adobe Caslon Pro" panose="0205050205050A020403"/>
-              </a:rPr>
-              <a:t>Grouping/aggregations</a:t>
-            </a:r>
-          </a:p>
-          <a:p>
-            <a:pPr lvl="2"/>
-            <a:r>
-              <a:rPr lang="en-US" dirty="0">
-                <a:solidFill>
-                  <a:schemeClr val="tx1"/>
-                </a:solidFill>
-                <a:latin typeface="Adobe Caslon Pro" panose="0205050205050A020403"/>
-              </a:rPr>
-              <a:t>Filtering</a:t>
-            </a:r>
-          </a:p>
-          <a:p>
-            <a:pPr lvl="2"/>
-            <a:r>
-              <a:rPr lang="en-US" dirty="0">
-                <a:solidFill>
-                  <a:schemeClr val="tx1"/>
-                </a:solidFill>
-                <a:latin typeface="Adobe Caslon Pro" panose="0205050205050A020403"/>
-              </a:rPr>
-              <a:t>Joins (one DF has to be static)</a:t>
-            </a:r>
-          </a:p>
-          <a:p>
-            <a:pPr lvl="2"/>
-            <a:r>
-              <a:rPr lang="en-US" dirty="0">
-                <a:solidFill>
-                  <a:schemeClr val="tx1"/>
-                </a:solidFill>
-                <a:latin typeface="Adobe Caslon Pro" panose="0205050205050A020403"/>
-              </a:rPr>
-              <a:t>Things you can’t do make no sense in a streaming context</a:t>
-            </a:r>
-          </a:p>
-          <a:p>
-            <a:pPr lvl="3"/>
-            <a:r>
-              <a:rPr lang="en-US" dirty="0">
-                <a:solidFill>
-                  <a:schemeClr val="tx1"/>
-                </a:solidFill>
-                <a:latin typeface="Adobe Caslon Pro" panose="0205050205050A020403"/>
-              </a:rPr>
-              <a:t>Limit</a:t>
-            </a:r>
-          </a:p>
-          <a:p>
-            <a:pPr lvl="3"/>
-            <a:r>
-              <a:rPr lang="en-US" dirty="0">
-                <a:solidFill>
-                  <a:schemeClr val="tx1"/>
-                </a:solidFill>
-                <a:latin typeface="Adobe Caslon Pro" panose="0205050205050A020403"/>
-              </a:rPr>
-              <a:t>First N rows</a:t>
-            </a:r>
-          </a:p>
-          <a:p>
-            <a:r>
-              <a:rPr lang="en-US" dirty="0">
-                <a:solidFill>
-                  <a:schemeClr val="tx1"/>
-                </a:solidFill>
-                <a:latin typeface="Adobe Caslon Pro" panose="0205050205050A020403"/>
-              </a:rPr>
-              <a:t>Operations over sliding windows</a:t>
-            </a:r>
-          </a:p>
-          <a:p>
-            <a:r>
-              <a:rPr lang="en-US" dirty="0">
-                <a:solidFill>
-                  <a:schemeClr val="tx1"/>
-                </a:solidFill>
-                <a:latin typeface="Adobe Caslon Pro" panose="0205050205050A020403"/>
-              </a:rPr>
-              <a:t>Handling late data with watermarking</a:t>
-            </a:r>
-          </a:p>
-          <a:p>
-            <a:endParaRPr lang="en-US" dirty="0">
-              <a:solidFill>
-                <a:schemeClr val="tx1"/>
-              </a:solidFill>
-              <a:latin typeface="Adobe Caslon Pro" panose="0205050205050A020403"/>
-            </a:endParaRPr>
-          </a:p>
-          <a:p>
-            <a:pPr lvl="2"/>
-            <a:endParaRPr lang="en-US" dirty="0">
-              <a:solidFill>
-                <a:schemeClr val="tx1"/>
-              </a:solidFill>
-              <a:latin typeface="Adobe Caslon Pro" panose="0205050205050A020403"/>
-            </a:endParaRPr>
+              <a:rPr lang="en-US" sz="2800" dirty="0">
+                <a:solidFill>
+                  <a:schemeClr val="tx1"/>
+                </a:solidFill>
+                <a:latin typeface="Adobe Caslon Pro" panose="0205050205050A020403"/>
+              </a:rPr>
+              <a:t>JSON</a:t>
+            </a:r>
+          </a:p>
+          <a:p>
+            <a:pPr lvl="1"/>
+            <a:r>
+              <a:rPr lang="en-US" sz="2800" dirty="0">
+                <a:solidFill>
+                  <a:schemeClr val="tx1"/>
+                </a:solidFill>
+                <a:latin typeface="Adobe Caslon Pro" panose="0205050205050A020403"/>
+              </a:rPr>
+              <a:t>ORC</a:t>
+            </a:r>
+          </a:p>
+          <a:p>
+            <a:pPr lvl="1"/>
+            <a:r>
+              <a:rPr lang="en-US" sz="2800" dirty="0">
+                <a:solidFill>
+                  <a:schemeClr val="tx1"/>
+                </a:solidFill>
+                <a:latin typeface="Adobe Caslon Pro" panose="0205050205050A020403"/>
+              </a:rPr>
+              <a:t>Parquet</a:t>
+            </a:r>
+          </a:p>
+          <a:p>
+            <a:pPr lvl="1"/>
+            <a:r>
+              <a:rPr lang="en-US" sz="2800" dirty="0">
+                <a:solidFill>
+                  <a:schemeClr val="tx1"/>
+                </a:solidFill>
+                <a:latin typeface="Adobe Caslon Pro" panose="0205050205050A020403"/>
+              </a:rPr>
+              <a:t>CSV</a:t>
+            </a:r>
+          </a:p>
+          <a:p>
+            <a:pPr lvl="1"/>
+            <a:r>
+              <a:rPr lang="en-US" sz="2800" dirty="0">
+                <a:solidFill>
+                  <a:schemeClr val="tx1"/>
+                </a:solidFill>
+                <a:latin typeface="Adobe Caslon Pro" panose="0205050205050A020403"/>
+              </a:rPr>
+              <a:t>Database table</a:t>
+            </a:r>
           </a:p>
           <a:p>
             <a:endParaRPr lang="en-US" sz="3200" dirty="0">
@@ -9623,7 +9990,7 @@
     </p:spTree>
     <p:extLst>
       <p:ext uri="{BB962C8B-B14F-4D97-AF65-F5344CB8AC3E}">
-        <p14:creationId xmlns:p14="http://schemas.microsoft.com/office/powerpoint/2010/main" val="440726327"/>
+        <p14:creationId xmlns:p14="http://schemas.microsoft.com/office/powerpoint/2010/main" val="1875826512"/>
       </p:ext>
     </p:extLst>
   </p:cSld>
@@ -9697,32 +10064,134 @@
         </p:nvSpPr>
         <p:spPr>
           <a:xfrm>
-            <a:off x="979100" y="2782358"/>
-            <a:ext cx="10233800" cy="875242"/>
+            <a:off x="838200" y="1825625"/>
+            <a:ext cx="10233800" cy="4351338"/>
           </a:xfrm>
         </p:spPr>
         <p:txBody>
           <a:bodyPr>
-            <a:normAutofit lnSpcReduction="10000"/>
+            <a:normAutofit/>
           </a:bodyPr>
           <a:lstStyle/>
           <a:p>
-            <a:pPr marL="0" indent="0" algn="ctr">
-              <a:buNone/>
-            </a:pPr>
-            <a:r>
-              <a:rPr lang="en-US" sz="6000" dirty="0">
-                <a:solidFill>
-                  <a:schemeClr val="tx1"/>
-                </a:solidFill>
-                <a:latin typeface="Adobe Caslon Pro" panose="0205050205050A020403"/>
-              </a:rPr>
-              <a:t>Let’s look at some code!</a:t>
-            </a:r>
-          </a:p>
-          <a:p>
-            <a:pPr lvl="2" algn="ctr"/>
-            <a:endParaRPr lang="en-US" sz="6000" dirty="0">
+            <a:r>
+              <a:rPr lang="en-US" sz="3200" dirty="0">
+                <a:solidFill>
+                  <a:schemeClr val="tx1"/>
+                </a:solidFill>
+                <a:latin typeface="Adobe Caslon Pro" panose="0205050205050A020403"/>
+              </a:rPr>
+              <a:t>Things you can do with Structured Streaming</a:t>
+            </a:r>
+          </a:p>
+          <a:p>
+            <a:pPr lvl="1"/>
+            <a:r>
+              <a:rPr lang="en-US" dirty="0">
+                <a:solidFill>
+                  <a:schemeClr val="tx1"/>
+                </a:solidFill>
+                <a:latin typeface="Adobe Caslon Pro" panose="0205050205050A020403"/>
+              </a:rPr>
+              <a:t>SQL Operations</a:t>
+            </a:r>
+          </a:p>
+          <a:p>
+            <a:pPr lvl="2"/>
+            <a:r>
+              <a:rPr lang="en-US" dirty="0">
+                <a:solidFill>
+                  <a:schemeClr val="tx1"/>
+                </a:solidFill>
+                <a:latin typeface="Adobe Caslon Pro" panose="0205050205050A020403"/>
+              </a:rPr>
+              <a:t>Grouping/aggregations</a:t>
+            </a:r>
+          </a:p>
+          <a:p>
+            <a:pPr lvl="2"/>
+            <a:r>
+              <a:rPr lang="en-US" dirty="0">
+                <a:solidFill>
+                  <a:schemeClr val="tx1"/>
+                </a:solidFill>
+                <a:latin typeface="Adobe Caslon Pro" panose="0205050205050A020403"/>
+              </a:rPr>
+              <a:t>Filtering</a:t>
+            </a:r>
+          </a:p>
+          <a:p>
+            <a:pPr lvl="2"/>
+            <a:r>
+              <a:rPr lang="en-US" dirty="0">
+                <a:solidFill>
+                  <a:schemeClr val="tx1"/>
+                </a:solidFill>
+                <a:latin typeface="Adobe Caslon Pro" panose="0205050205050A020403"/>
+              </a:rPr>
+              <a:t>Joins (one DF has to be static)</a:t>
+            </a:r>
+          </a:p>
+          <a:p>
+            <a:pPr lvl="2"/>
+            <a:r>
+              <a:rPr lang="en-US" dirty="0">
+                <a:solidFill>
+                  <a:schemeClr val="tx1"/>
+                </a:solidFill>
+                <a:latin typeface="Adobe Caslon Pro" panose="0205050205050A020403"/>
+              </a:rPr>
+              <a:t>Things you can’t do make no sense in a streaming context</a:t>
+            </a:r>
+          </a:p>
+          <a:p>
+            <a:pPr lvl="3"/>
+            <a:r>
+              <a:rPr lang="en-US" dirty="0">
+                <a:solidFill>
+                  <a:schemeClr val="tx1"/>
+                </a:solidFill>
+                <a:latin typeface="Adobe Caslon Pro" panose="0205050205050A020403"/>
+              </a:rPr>
+              <a:t>Limit</a:t>
+            </a:r>
+          </a:p>
+          <a:p>
+            <a:pPr lvl="3"/>
+            <a:r>
+              <a:rPr lang="en-US" dirty="0">
+                <a:solidFill>
+                  <a:schemeClr val="tx1"/>
+                </a:solidFill>
+                <a:latin typeface="Adobe Caslon Pro" panose="0205050205050A020403"/>
+              </a:rPr>
+              <a:t>First N rows</a:t>
+            </a:r>
+          </a:p>
+          <a:p>
+            <a:r>
+              <a:rPr lang="en-US" dirty="0">
+                <a:solidFill>
+                  <a:schemeClr val="tx1"/>
+                </a:solidFill>
+                <a:latin typeface="Adobe Caslon Pro" panose="0205050205050A020403"/>
+              </a:rPr>
+              <a:t>Operations over sliding windows</a:t>
+            </a:r>
+          </a:p>
+          <a:p>
+            <a:r>
+              <a:rPr lang="en-US" dirty="0">
+                <a:solidFill>
+                  <a:schemeClr val="tx1"/>
+                </a:solidFill>
+                <a:latin typeface="Adobe Caslon Pro" panose="0205050205050A020403"/>
+              </a:rPr>
+              <a:t>Handling late data with watermarking</a:t>
+            </a:r>
+          </a:p>
+          <a:p>
+            <a:endParaRPr lang="en-US" dirty="0">
               <a:solidFill>
                 <a:schemeClr val="tx1"/>
               </a:solidFill>
@@ -9730,8 +10199,8 @@
             </a:endParaRPr>
           </a:p>
           <a:p>
-            <a:pPr algn="ctr"/>
-            <a:endParaRPr lang="en-US" sz="6000" dirty="0">
+            <a:pPr lvl="2"/>
+            <a:endParaRPr lang="en-US" dirty="0">
               <a:solidFill>
                 <a:schemeClr val="tx1"/>
               </a:solidFill>
@@ -9739,20 +10208,27 @@
             </a:endParaRPr>
           </a:p>
           <a:p>
-            <a:pPr algn="ctr"/>
-            <a:endParaRPr lang="en-US" sz="6000" dirty="0">
+            <a:endParaRPr lang="en-US" sz="3200" dirty="0">
               <a:solidFill>
                 <a:schemeClr val="tx1"/>
               </a:solidFill>
               <a:latin typeface="Adobe Caslon Pro" panose="0205050205050A020403"/>
             </a:endParaRPr>
           </a:p>
+          <a:p>
+            <a:endParaRPr lang="en-US" sz="3200" dirty="0">
+              <a:solidFill>
+                <a:schemeClr val="tx1"/>
+              </a:solidFill>
+              <a:latin typeface="Adobe Caslon Pro" panose="0205050205050A020403"/>
+            </a:endParaRPr>
+          </a:p>
         </p:txBody>
       </p:sp>
     </p:spTree>
     <p:extLst>
       <p:ext uri="{BB962C8B-B14F-4D97-AF65-F5344CB8AC3E}">
-        <p14:creationId xmlns:p14="http://schemas.microsoft.com/office/powerpoint/2010/main" val="620847443"/>
+        <p14:creationId xmlns:p14="http://schemas.microsoft.com/office/powerpoint/2010/main" val="440726327"/>
       </p:ext>
     </p:extLst>
   </p:cSld>
@@ -9956,6 +10432,135 @@
                 </a:solidFill>
                 <a:latin typeface="Adobe Caslon Pro" panose="0205050205050A020403" pitchFamily="18" charset="0"/>
               </a:rPr>
+              <a:t>Spark Structured Streaming</a:t>
+            </a:r>
+          </a:p>
+        </p:txBody>
+      </p:sp>
+      <p:sp>
+        <p:nvSpPr>
+          <p:cNvPr id="3" name="Content Placeholder 2"/>
+          <p:cNvSpPr>
+            <a:spLocks noGrp="1"/>
+          </p:cNvSpPr>
+          <p:nvPr>
+            <p:ph idx="1"/>
+          </p:nvPr>
+        </p:nvSpPr>
+        <p:spPr>
+          <a:xfrm>
+            <a:off x="979100" y="2782358"/>
+            <a:ext cx="10233800" cy="875242"/>
+          </a:xfrm>
+        </p:spPr>
+        <p:txBody>
+          <a:bodyPr>
+            <a:normAutofit lnSpcReduction="10000"/>
+          </a:bodyPr>
+          <a:lstStyle/>
+          <a:p>
+            <a:pPr marL="0" indent="0" algn="ctr">
+              <a:buNone/>
+            </a:pPr>
+            <a:r>
+              <a:rPr lang="en-US" sz="6000" dirty="0">
+                <a:solidFill>
+                  <a:schemeClr val="tx1"/>
+                </a:solidFill>
+                <a:latin typeface="Adobe Caslon Pro" panose="0205050205050A020403"/>
+              </a:rPr>
+              <a:t>Let’s look at some code!</a:t>
+            </a:r>
+          </a:p>
+          <a:p>
+            <a:pPr lvl="2" algn="ctr"/>
+            <a:endParaRPr lang="en-US" sz="6000" dirty="0">
+              <a:solidFill>
+                <a:schemeClr val="tx1"/>
+              </a:solidFill>
+              <a:latin typeface="Adobe Caslon Pro" panose="0205050205050A020403"/>
+            </a:endParaRPr>
+          </a:p>
+          <a:p>
+            <a:pPr algn="ctr"/>
+            <a:endParaRPr lang="en-US" sz="6000" dirty="0">
+              <a:solidFill>
+                <a:schemeClr val="tx1"/>
+              </a:solidFill>
+              <a:latin typeface="Adobe Caslon Pro" panose="0205050205050A020403"/>
+            </a:endParaRPr>
+          </a:p>
+          <a:p>
+            <a:pPr algn="ctr"/>
+            <a:endParaRPr lang="en-US" sz="6000" dirty="0">
+              <a:solidFill>
+                <a:schemeClr val="tx1"/>
+              </a:solidFill>
+              <a:latin typeface="Adobe Caslon Pro" panose="0205050205050A020403"/>
+            </a:endParaRPr>
+          </a:p>
+        </p:txBody>
+      </p:sp>
+    </p:spTree>
+    <p:extLst>
+      <p:ext uri="{BB962C8B-B14F-4D97-AF65-F5344CB8AC3E}">
+        <p14:creationId xmlns:p14="http://schemas.microsoft.com/office/powerpoint/2010/main" val="620847443"/>
+      </p:ext>
+    </p:extLst>
+  </p:cSld>
+  <p:clrMapOvr>
+    <a:masterClrMapping/>
+  </p:clrMapOvr>
+</p:sld>
+</file>
+
+<file path=ppt/slides/slide31.xml><?xml version="1.0" encoding="utf-8"?>
+<p:sld xmlns:a="http://schemas.openxmlformats.org/drawingml/2006/main" xmlns:r="http://schemas.openxmlformats.org/officeDocument/2006/relationships" xmlns:p="http://schemas.openxmlformats.org/presentationml/2006/main">
+  <p:cSld>
+    <p:spTree>
+      <p:nvGrpSpPr>
+        <p:cNvPr id="1" name=""/>
+        <p:cNvGrpSpPr/>
+        <p:nvPr/>
+      </p:nvGrpSpPr>
+      <p:grpSpPr>
+        <a:xfrm>
+          <a:off x="0" y="0"/>
+          <a:ext cx="0" cy="0"/>
+          <a:chOff x="0" y="0"/>
+          <a:chExt cx="0" cy="0"/>
+        </a:xfrm>
+      </p:grpSpPr>
+      <p:sp>
+        <p:nvSpPr>
+          <p:cNvPr id="2" name="Title 1"/>
+          <p:cNvSpPr>
+            <a:spLocks noGrp="1"/>
+          </p:cNvSpPr>
+          <p:nvPr>
+            <p:ph type="title"/>
+          </p:nvPr>
+        </p:nvSpPr>
+        <p:spPr>
+          <a:xfrm>
+            <a:off x="838200" y="356658"/>
+            <a:ext cx="10515600" cy="1325563"/>
+          </a:xfrm>
+        </p:spPr>
+        <p:txBody>
+          <a:bodyPr>
+            <a:normAutofit/>
+          </a:bodyPr>
+          <a:lstStyle/>
+          <a:p>
+            <a:pPr algn="ctr"/>
+            <a:r>
+              <a:rPr lang="en-US" sz="4000" dirty="0">
+                <a:solidFill>
+                  <a:schemeClr val="tx1"/>
+                </a:solidFill>
+                <a:latin typeface="Adobe Caslon Pro" panose="0205050205050A020403" pitchFamily="18" charset="0"/>
+              </a:rPr>
               <a:t>Code Challenge</a:t>
             </a:r>
           </a:p>
@@ -9979,7 +10584,7 @@
         </p:spPr>
         <p:txBody>
           <a:bodyPr>
-            <a:normAutofit/>
+            <a:normAutofit lnSpcReduction="10000"/>
           </a:bodyPr>
           <a:lstStyle/>
           <a:p>

--- a/Documents/IoT With Satori.pptx
+++ b/Documents/IoT With Satori.pptx
@@ -10621,6 +10621,17 @@
             </a:r>
           </a:p>
           <a:p>
+            <a:r>
+              <a:rPr lang="en-US" sz="4400" dirty="0">
+                <a:solidFill>
+                  <a:schemeClr val="tx1"/>
+                </a:solidFill>
+                <a:latin typeface="Adobe Caslon Pro" panose="0205050205050A020403"/>
+              </a:rPr>
+              <a:t>Try and build the rest of the application.</a:t>
+            </a:r>
+          </a:p>
+          <a:p>
             <a:pPr lvl="2"/>
             <a:endParaRPr lang="en-US" sz="4400" dirty="0">
               <a:solidFill>
@@ -11067,6 +11078,17 @@
                 </a:solidFill>
                 <a:latin typeface="Adobe Caslon Pro" panose="0205050205050A020403"/>
               </a:rPr>
+              <a:t>Getting ready for the opportunities that IoT presents.</a:t>
+            </a:r>
+          </a:p>
+          <a:p>
+            <a:r>
+              <a:rPr lang="en-US" sz="3600" dirty="0">
+                <a:solidFill>
+                  <a:schemeClr val="tx1"/>
+                </a:solidFill>
+                <a:latin typeface="Adobe Caslon Pro" panose="0205050205050A020403"/>
+              </a:rPr>
               <a:t>Tired of working with Sandboxes</a:t>
             </a:r>
           </a:p>
@@ -11079,17 +11101,6 @@
                 <a:latin typeface="Adobe Caslon Pro" panose="0205050205050A020403"/>
               </a:rPr>
               <a:t>Tired of playing with human generated data</a:t>
-            </a:r>
-          </a:p>
-          <a:p>
-            <a:r>
-              <a:rPr lang="en-US" sz="3600" dirty="0">
-                <a:solidFill>
-                  <a:schemeClr val="tx1"/>
-                </a:solidFill>
-                <a:latin typeface="Adobe Caslon Pro" panose="0205050205050A020403"/>
-              </a:rPr>
-              <a:t>Getting ready for the opportunities that IoT presents.</a:t>
             </a:r>
           </a:p>
           <a:p>
